--- a/EES/diode (1).pptx
+++ b/EES/diode (1).pptx
@@ -375,7 +375,7 @@
           <a:p>
             <a:fld id="{ED291B17-9318-49DB-B28B-6E5994AE9581}" type="datetime1">
               <a:rPr lang="en-US" smtClean="0"/>
-              <a:t>3/20/2025</a:t>
+              <a:t>3/23/2025</a:t>
             </a:fld>
             <a:endParaRPr lang="en-US"/>
           </a:p>
@@ -545,7 +545,7 @@
           <a:p>
             <a:fld id="{ED291B17-9318-49DB-B28B-6E5994AE9581}" type="datetime1">
               <a:rPr lang="en-US" smtClean="0"/>
-              <a:t>3/20/2025</a:t>
+              <a:t>3/23/2025</a:t>
             </a:fld>
             <a:endParaRPr lang="en-US"/>
           </a:p>
@@ -726,7 +726,7 @@
           <a:p>
             <a:fld id="{ED291B17-9318-49DB-B28B-6E5994AE9581}" type="datetime1">
               <a:rPr lang="en-US" smtClean="0"/>
-              <a:t>3/20/2025</a:t>
+              <a:t>3/23/2025</a:t>
             </a:fld>
             <a:endParaRPr lang="en-US"/>
           </a:p>
@@ -1165,7 +1165,7 @@
           <a:p>
             <a:fld id="{ED291B17-9318-49DB-B28B-6E5994AE9581}" type="datetime1">
               <a:rPr lang="en-US" smtClean="0"/>
-              <a:t>3/20/2025</a:t>
+              <a:t>3/23/2025</a:t>
             </a:fld>
             <a:endParaRPr lang="en-US"/>
           </a:p>
@@ -1398,7 +1398,7 @@
           <a:p>
             <a:fld id="{ED291B17-9318-49DB-B28B-6E5994AE9581}" type="datetime1">
               <a:rPr lang="en-US" smtClean="0"/>
-              <a:t>3/20/2025</a:t>
+              <a:t>3/23/2025</a:t>
             </a:fld>
             <a:endParaRPr lang="en-US"/>
           </a:p>
@@ -1766,7 +1766,7 @@
           <a:p>
             <a:fld id="{ED291B17-9318-49DB-B28B-6E5994AE9581}" type="datetime1">
               <a:rPr lang="en-US" smtClean="0"/>
-              <a:t>3/20/2025</a:t>
+              <a:t>3/23/2025</a:t>
             </a:fld>
             <a:endParaRPr lang="en-US"/>
           </a:p>
@@ -2301,7 +2301,7 @@
           <a:p>
             <a:fld id="{ED291B17-9318-49DB-B28B-6E5994AE9581}" type="datetime1">
               <a:rPr lang="en-US" smtClean="0"/>
-              <a:t>3/20/2025</a:t>
+              <a:t>3/23/2025</a:t>
             </a:fld>
             <a:endParaRPr lang="en-US"/>
           </a:p>
@@ -2555,7 +2555,7 @@
           <a:p>
             <a:fld id="{ED291B17-9318-49DB-B28B-6E5994AE9581}" type="datetime1">
               <a:rPr lang="en-US" smtClean="0"/>
-              <a:t>3/20/2025</a:t>
+              <a:t>3/23/2025</a:t>
             </a:fld>
             <a:endParaRPr lang="en-US"/>
           </a:p>
@@ -2769,7 +2769,7 @@
           <a:p>
             <a:fld id="{ED291B17-9318-49DB-B28B-6E5994AE9581}" type="datetime1">
               <a:rPr lang="en-US" smtClean="0"/>
-              <a:t>3/20/2025</a:t>
+              <a:t>3/23/2025</a:t>
             </a:fld>
             <a:endParaRPr lang="en-US"/>
           </a:p>
@@ -12830,7 +12830,7 @@
         </p:nvSpPr>
         <p:spPr>
           <a:xfrm>
-            <a:off x="600875" y="402209"/>
+            <a:off x="507741" y="4780"/>
             <a:ext cx="10993549" cy="787790"/>
           </a:xfrm>
         </p:spPr>
@@ -13044,7 +13044,7 @@
         </p:nvSpPr>
         <p:spPr>
           <a:xfrm>
-            <a:off x="600875" y="402209"/>
+            <a:off x="599225" y="65932"/>
             <a:ext cx="10993549" cy="787790"/>
           </a:xfrm>
         </p:spPr>
@@ -13074,7 +13074,7 @@
         </p:nvSpPr>
         <p:spPr>
           <a:xfrm>
-            <a:off x="3955253" y="662644"/>
+            <a:off x="2784179" y="825232"/>
             <a:ext cx="6872074" cy="382156"/>
           </a:xfrm>
           <a:prstGeom prst="rect">
@@ -13166,7 +13166,7 @@
         </p:nvSpPr>
         <p:spPr>
           <a:xfrm>
-            <a:off x="600875" y="1189999"/>
+            <a:off x="280957" y="1703567"/>
             <a:ext cx="3490616" cy="2392822"/>
           </a:xfrm>
           <a:prstGeom prst="rect">
@@ -13195,7 +13195,7 @@
         </p:nvSpPr>
         <p:spPr>
           <a:xfrm>
-            <a:off x="6732794" y="1178898"/>
+            <a:off x="7278225" y="1577295"/>
             <a:ext cx="3165749" cy="2403923"/>
           </a:xfrm>
           <a:prstGeom prst="rect">
@@ -13212,7 +13212,7 @@
           <a:bodyPr wrap="square" lIns="0" tIns="0" rIns="0" bIns="0" rtlCol="0"/>
           <a:lstStyle/>
           <a:p>
-            <a:endParaRPr/>
+            <a:endParaRPr dirty="0"/>
           </a:p>
         </p:txBody>
       </p:sp>
@@ -13287,7 +13287,7 @@
         </p:nvSpPr>
         <p:spPr>
           <a:xfrm>
-            <a:off x="600875" y="402209"/>
+            <a:off x="-1972992" y="224409"/>
             <a:ext cx="10993549" cy="787790"/>
           </a:xfrm>
         </p:spPr>
@@ -13711,7 +13711,7 @@
         </p:nvSpPr>
         <p:spPr>
           <a:xfrm>
-            <a:off x="5869899" y="648528"/>
+            <a:off x="6123144" y="3070886"/>
             <a:ext cx="5724525" cy="1981200"/>
           </a:xfrm>
           <a:prstGeom prst="rect">
